--- a/TP_01_MCC_Hacheur/TP_01_MCC_Hacheur_Corrige.pptx
+++ b/TP_01_MCC_Hacheur/TP_01_MCC_Hacheur_Corrige.pptx
@@ -6,6 +6,7 @@
   </p:sldMasterIdLst>
   <p:sldIdLst>
     <p:sldId id="256" r:id="rId2"/>
+    <p:sldId id="257" r:id="rId3"/>
   </p:sldIdLst>
   <p:sldSz cx="12801600" cy="9601200" type="A3"/>
   <p:notesSz cx="6858000" cy="9144000"/>
@@ -165,7 +166,7 @@
           </a:lstStyle>
           <a:p>
             <a:r>
-              <a:rPr lang="fr-FR" smtClean="0"/>
+              <a:rPr lang="fr-FR"/>
               <a:t>Modifiez le style du titre</a:t>
             </a:r>
             <a:endParaRPr lang="en-US" dirty="0"/>
@@ -230,7 +231,7 @@
           </a:lstStyle>
           <a:p>
             <a:r>
-              <a:rPr lang="fr-FR" smtClean="0"/>
+              <a:rPr lang="fr-FR"/>
               <a:t>Modifier le style des sous-titres du masque</a:t>
             </a:r>
             <a:endParaRPr lang="en-US" dirty="0"/>
@@ -254,7 +255,7 @@
           <a:p>
             <a:fld id="{721FCA7F-9C42-4E77-B08A-C2F4145F0622}" type="datetimeFigureOut">
               <a:rPr lang="fr-FR" smtClean="0"/>
-              <a:t>04/07/2022</a:t>
+              <a:t>09/07/2022</a:t>
             </a:fld>
             <a:endParaRPr lang="fr-FR"/>
           </a:p>
@@ -348,7 +349,7 @@
           <a:lstStyle/>
           <a:p>
             <a:r>
-              <a:rPr lang="fr-FR" smtClean="0"/>
+              <a:rPr lang="fr-FR"/>
               <a:t>Modifiez le style du titre</a:t>
             </a:r>
             <a:endParaRPr lang="en-US" dirty="0"/>
@@ -372,35 +373,35 @@
           <a:p>
             <a:pPr lvl="0"/>
             <a:r>
-              <a:rPr lang="fr-FR" smtClean="0"/>
+              <a:rPr lang="fr-FR"/>
               <a:t>Modifier les styles du texte du masque</a:t>
             </a:r>
           </a:p>
           <a:p>
             <a:pPr lvl="1"/>
             <a:r>
-              <a:rPr lang="fr-FR" smtClean="0"/>
+              <a:rPr lang="fr-FR"/>
               <a:t>Deuxième niveau</a:t>
             </a:r>
           </a:p>
           <a:p>
             <a:pPr lvl="2"/>
             <a:r>
-              <a:rPr lang="fr-FR" smtClean="0"/>
+              <a:rPr lang="fr-FR"/>
               <a:t>Troisième niveau</a:t>
             </a:r>
           </a:p>
           <a:p>
             <a:pPr lvl="3"/>
             <a:r>
-              <a:rPr lang="fr-FR" smtClean="0"/>
+              <a:rPr lang="fr-FR"/>
               <a:t>Quatrième niveau</a:t>
             </a:r>
           </a:p>
           <a:p>
             <a:pPr lvl="4"/>
             <a:r>
-              <a:rPr lang="fr-FR" smtClean="0"/>
+              <a:rPr lang="fr-FR"/>
               <a:t>Cinquième niveau</a:t>
             </a:r>
             <a:endParaRPr lang="en-US" dirty="0"/>
@@ -424,7 +425,7 @@
           <a:p>
             <a:fld id="{721FCA7F-9C42-4E77-B08A-C2F4145F0622}" type="datetimeFigureOut">
               <a:rPr lang="fr-FR" smtClean="0"/>
-              <a:t>04/07/2022</a:t>
+              <a:t>09/07/2022</a:t>
             </a:fld>
             <a:endParaRPr lang="fr-FR"/>
           </a:p>
@@ -523,7 +524,7 @@
           <a:lstStyle/>
           <a:p>
             <a:r>
-              <a:rPr lang="fr-FR" smtClean="0"/>
+              <a:rPr lang="fr-FR"/>
               <a:t>Modifiez le style du titre</a:t>
             </a:r>
             <a:endParaRPr lang="en-US" dirty="0"/>
@@ -552,35 +553,35 @@
           <a:p>
             <a:pPr lvl="0"/>
             <a:r>
-              <a:rPr lang="fr-FR" smtClean="0"/>
+              <a:rPr lang="fr-FR"/>
               <a:t>Modifier les styles du texte du masque</a:t>
             </a:r>
           </a:p>
           <a:p>
             <a:pPr lvl="1"/>
             <a:r>
-              <a:rPr lang="fr-FR" smtClean="0"/>
+              <a:rPr lang="fr-FR"/>
               <a:t>Deuxième niveau</a:t>
             </a:r>
           </a:p>
           <a:p>
             <a:pPr lvl="2"/>
             <a:r>
-              <a:rPr lang="fr-FR" smtClean="0"/>
+              <a:rPr lang="fr-FR"/>
               <a:t>Troisième niveau</a:t>
             </a:r>
           </a:p>
           <a:p>
             <a:pPr lvl="3"/>
             <a:r>
-              <a:rPr lang="fr-FR" smtClean="0"/>
+              <a:rPr lang="fr-FR"/>
               <a:t>Quatrième niveau</a:t>
             </a:r>
           </a:p>
           <a:p>
             <a:pPr lvl="4"/>
             <a:r>
-              <a:rPr lang="fr-FR" smtClean="0"/>
+              <a:rPr lang="fr-FR"/>
               <a:t>Cinquième niveau</a:t>
             </a:r>
             <a:endParaRPr lang="en-US" dirty="0"/>
@@ -604,7 +605,7 @@
           <a:p>
             <a:fld id="{721FCA7F-9C42-4E77-B08A-C2F4145F0622}" type="datetimeFigureOut">
               <a:rPr lang="fr-FR" smtClean="0"/>
-              <a:t>04/07/2022</a:t>
+              <a:t>09/07/2022</a:t>
             </a:fld>
             <a:endParaRPr lang="fr-FR"/>
           </a:p>
@@ -698,7 +699,7 @@
           <a:lstStyle/>
           <a:p>
             <a:r>
-              <a:rPr lang="fr-FR" smtClean="0"/>
+              <a:rPr lang="fr-FR"/>
               <a:t>Modifiez le style du titre</a:t>
             </a:r>
             <a:endParaRPr lang="en-US" dirty="0"/>
@@ -722,35 +723,35 @@
           <a:p>
             <a:pPr lvl="0"/>
             <a:r>
-              <a:rPr lang="fr-FR" smtClean="0"/>
+              <a:rPr lang="fr-FR"/>
               <a:t>Modifier les styles du texte du masque</a:t>
             </a:r>
           </a:p>
           <a:p>
             <a:pPr lvl="1"/>
             <a:r>
-              <a:rPr lang="fr-FR" smtClean="0"/>
+              <a:rPr lang="fr-FR"/>
               <a:t>Deuxième niveau</a:t>
             </a:r>
           </a:p>
           <a:p>
             <a:pPr lvl="2"/>
             <a:r>
-              <a:rPr lang="fr-FR" smtClean="0"/>
+              <a:rPr lang="fr-FR"/>
               <a:t>Troisième niveau</a:t>
             </a:r>
           </a:p>
           <a:p>
             <a:pPr lvl="3"/>
             <a:r>
-              <a:rPr lang="fr-FR" smtClean="0"/>
+              <a:rPr lang="fr-FR"/>
               <a:t>Quatrième niveau</a:t>
             </a:r>
           </a:p>
           <a:p>
             <a:pPr lvl="4"/>
             <a:r>
-              <a:rPr lang="fr-FR" smtClean="0"/>
+              <a:rPr lang="fr-FR"/>
               <a:t>Cinquième niveau</a:t>
             </a:r>
             <a:endParaRPr lang="en-US" dirty="0"/>
@@ -774,7 +775,7 @@
           <a:p>
             <a:fld id="{721FCA7F-9C42-4E77-B08A-C2F4145F0622}" type="datetimeFigureOut">
               <a:rPr lang="fr-FR" smtClean="0"/>
-              <a:t>04/07/2022</a:t>
+              <a:t>09/07/2022</a:t>
             </a:fld>
             <a:endParaRPr lang="fr-FR"/>
           </a:p>
@@ -877,7 +878,7 @@
           </a:lstStyle>
           <a:p>
             <a:r>
-              <a:rPr lang="fr-FR" smtClean="0"/>
+              <a:rPr lang="fr-FR"/>
               <a:t>Modifiez le style du titre</a:t>
             </a:r>
             <a:endParaRPr lang="en-US" dirty="0"/>
@@ -995,7 +996,7 @@
           <a:p>
             <a:pPr lvl="0"/>
             <a:r>
-              <a:rPr lang="fr-FR" smtClean="0"/>
+              <a:rPr lang="fr-FR"/>
               <a:t>Modifier les styles du texte du masque</a:t>
             </a:r>
           </a:p>
@@ -1018,7 +1019,7 @@
           <a:p>
             <a:fld id="{721FCA7F-9C42-4E77-B08A-C2F4145F0622}" type="datetimeFigureOut">
               <a:rPr lang="fr-FR" smtClean="0"/>
-              <a:t>04/07/2022</a:t>
+              <a:t>09/07/2022</a:t>
             </a:fld>
             <a:endParaRPr lang="fr-FR"/>
           </a:p>
@@ -1112,7 +1113,7 @@
           <a:lstStyle/>
           <a:p>
             <a:r>
-              <a:rPr lang="fr-FR" smtClean="0"/>
+              <a:rPr lang="fr-FR"/>
               <a:t>Modifiez le style du titre</a:t>
             </a:r>
             <a:endParaRPr lang="en-US" dirty="0"/>
@@ -1141,35 +1142,35 @@
           <a:p>
             <a:pPr lvl="0"/>
             <a:r>
-              <a:rPr lang="fr-FR" smtClean="0"/>
+              <a:rPr lang="fr-FR"/>
               <a:t>Modifier les styles du texte du masque</a:t>
             </a:r>
           </a:p>
           <a:p>
             <a:pPr lvl="1"/>
             <a:r>
-              <a:rPr lang="fr-FR" smtClean="0"/>
+              <a:rPr lang="fr-FR"/>
               <a:t>Deuxième niveau</a:t>
             </a:r>
           </a:p>
           <a:p>
             <a:pPr lvl="2"/>
             <a:r>
-              <a:rPr lang="fr-FR" smtClean="0"/>
+              <a:rPr lang="fr-FR"/>
               <a:t>Troisième niveau</a:t>
             </a:r>
           </a:p>
           <a:p>
             <a:pPr lvl="3"/>
             <a:r>
-              <a:rPr lang="fr-FR" smtClean="0"/>
+              <a:rPr lang="fr-FR"/>
               <a:t>Quatrième niveau</a:t>
             </a:r>
           </a:p>
           <a:p>
             <a:pPr lvl="4"/>
             <a:r>
-              <a:rPr lang="fr-FR" smtClean="0"/>
+              <a:rPr lang="fr-FR"/>
               <a:t>Cinquième niveau</a:t>
             </a:r>
             <a:endParaRPr lang="en-US" dirty="0"/>
@@ -1198,35 +1199,35 @@
           <a:p>
             <a:pPr lvl="0"/>
             <a:r>
-              <a:rPr lang="fr-FR" smtClean="0"/>
+              <a:rPr lang="fr-FR"/>
               <a:t>Modifier les styles du texte du masque</a:t>
             </a:r>
           </a:p>
           <a:p>
             <a:pPr lvl="1"/>
             <a:r>
-              <a:rPr lang="fr-FR" smtClean="0"/>
+              <a:rPr lang="fr-FR"/>
               <a:t>Deuxième niveau</a:t>
             </a:r>
           </a:p>
           <a:p>
             <a:pPr lvl="2"/>
             <a:r>
-              <a:rPr lang="fr-FR" smtClean="0"/>
+              <a:rPr lang="fr-FR"/>
               <a:t>Troisième niveau</a:t>
             </a:r>
           </a:p>
           <a:p>
             <a:pPr lvl="3"/>
             <a:r>
-              <a:rPr lang="fr-FR" smtClean="0"/>
+              <a:rPr lang="fr-FR"/>
               <a:t>Quatrième niveau</a:t>
             </a:r>
           </a:p>
           <a:p>
             <a:pPr lvl="4"/>
             <a:r>
-              <a:rPr lang="fr-FR" smtClean="0"/>
+              <a:rPr lang="fr-FR"/>
               <a:t>Cinquième niveau</a:t>
             </a:r>
             <a:endParaRPr lang="en-US" dirty="0"/>
@@ -1250,7 +1251,7 @@
           <a:p>
             <a:fld id="{721FCA7F-9C42-4E77-B08A-C2F4145F0622}" type="datetimeFigureOut">
               <a:rPr lang="fr-FR" smtClean="0"/>
-              <a:t>04/07/2022</a:t>
+              <a:t>09/07/2022</a:t>
             </a:fld>
             <a:endParaRPr lang="fr-FR"/>
           </a:p>
@@ -1349,7 +1350,7 @@
           <a:lstStyle/>
           <a:p>
             <a:r>
-              <a:rPr lang="fr-FR" smtClean="0"/>
+              <a:rPr lang="fr-FR"/>
               <a:t>Modifiez le style du titre</a:t>
             </a:r>
             <a:endParaRPr lang="en-US" dirty="0"/>
@@ -1415,7 +1416,7 @@
           <a:p>
             <a:pPr lvl="0"/>
             <a:r>
-              <a:rPr lang="fr-FR" smtClean="0"/>
+              <a:rPr lang="fr-FR"/>
               <a:t>Modifier les styles du texte du masque</a:t>
             </a:r>
           </a:p>
@@ -1443,35 +1444,35 @@
           <a:p>
             <a:pPr lvl="0"/>
             <a:r>
-              <a:rPr lang="fr-FR" smtClean="0"/>
+              <a:rPr lang="fr-FR"/>
               <a:t>Modifier les styles du texte du masque</a:t>
             </a:r>
           </a:p>
           <a:p>
             <a:pPr lvl="1"/>
             <a:r>
-              <a:rPr lang="fr-FR" smtClean="0"/>
+              <a:rPr lang="fr-FR"/>
               <a:t>Deuxième niveau</a:t>
             </a:r>
           </a:p>
           <a:p>
             <a:pPr lvl="2"/>
             <a:r>
-              <a:rPr lang="fr-FR" smtClean="0"/>
+              <a:rPr lang="fr-FR"/>
               <a:t>Troisième niveau</a:t>
             </a:r>
           </a:p>
           <a:p>
             <a:pPr lvl="3"/>
             <a:r>
-              <a:rPr lang="fr-FR" smtClean="0"/>
+              <a:rPr lang="fr-FR"/>
               <a:t>Quatrième niveau</a:t>
             </a:r>
           </a:p>
           <a:p>
             <a:pPr lvl="4"/>
             <a:r>
-              <a:rPr lang="fr-FR" smtClean="0"/>
+              <a:rPr lang="fr-FR"/>
               <a:t>Cinquième niveau</a:t>
             </a:r>
             <a:endParaRPr lang="en-US" dirty="0"/>
@@ -1537,7 +1538,7 @@
           <a:p>
             <a:pPr lvl="0"/>
             <a:r>
-              <a:rPr lang="fr-FR" smtClean="0"/>
+              <a:rPr lang="fr-FR"/>
               <a:t>Modifier les styles du texte du masque</a:t>
             </a:r>
           </a:p>
@@ -1565,35 +1566,35 @@
           <a:p>
             <a:pPr lvl="0"/>
             <a:r>
-              <a:rPr lang="fr-FR" smtClean="0"/>
+              <a:rPr lang="fr-FR"/>
               <a:t>Modifier les styles du texte du masque</a:t>
             </a:r>
           </a:p>
           <a:p>
             <a:pPr lvl="1"/>
             <a:r>
-              <a:rPr lang="fr-FR" smtClean="0"/>
+              <a:rPr lang="fr-FR"/>
               <a:t>Deuxième niveau</a:t>
             </a:r>
           </a:p>
           <a:p>
             <a:pPr lvl="2"/>
             <a:r>
-              <a:rPr lang="fr-FR" smtClean="0"/>
+              <a:rPr lang="fr-FR"/>
               <a:t>Troisième niveau</a:t>
             </a:r>
           </a:p>
           <a:p>
             <a:pPr lvl="3"/>
             <a:r>
-              <a:rPr lang="fr-FR" smtClean="0"/>
+              <a:rPr lang="fr-FR"/>
               <a:t>Quatrième niveau</a:t>
             </a:r>
           </a:p>
           <a:p>
             <a:pPr lvl="4"/>
             <a:r>
-              <a:rPr lang="fr-FR" smtClean="0"/>
+              <a:rPr lang="fr-FR"/>
               <a:t>Cinquième niveau</a:t>
             </a:r>
             <a:endParaRPr lang="en-US" dirty="0"/>
@@ -1617,7 +1618,7 @@
           <a:p>
             <a:fld id="{721FCA7F-9C42-4E77-B08A-C2F4145F0622}" type="datetimeFigureOut">
               <a:rPr lang="fr-FR" smtClean="0"/>
-              <a:t>04/07/2022</a:t>
+              <a:t>09/07/2022</a:t>
             </a:fld>
             <a:endParaRPr lang="fr-FR"/>
           </a:p>
@@ -1711,7 +1712,7 @@
           <a:lstStyle/>
           <a:p>
             <a:r>
-              <a:rPr lang="fr-FR" smtClean="0"/>
+              <a:rPr lang="fr-FR"/>
               <a:t>Modifiez le style du titre</a:t>
             </a:r>
             <a:endParaRPr lang="en-US" dirty="0"/>
@@ -1735,7 +1736,7 @@
           <a:p>
             <a:fld id="{721FCA7F-9C42-4E77-B08A-C2F4145F0622}" type="datetimeFigureOut">
               <a:rPr lang="fr-FR" smtClean="0"/>
-              <a:t>04/07/2022</a:t>
+              <a:t>09/07/2022</a:t>
             </a:fld>
             <a:endParaRPr lang="fr-FR"/>
           </a:p>
@@ -1830,7 +1831,7 @@
           <a:p>
             <a:fld id="{721FCA7F-9C42-4E77-B08A-C2F4145F0622}" type="datetimeFigureOut">
               <a:rPr lang="fr-FR" smtClean="0"/>
-              <a:t>04/07/2022</a:t>
+              <a:t>09/07/2022</a:t>
             </a:fld>
             <a:endParaRPr lang="fr-FR"/>
           </a:p>
@@ -1933,7 +1934,7 @@
           </a:lstStyle>
           <a:p>
             <a:r>
-              <a:rPr lang="fr-FR" smtClean="0"/>
+              <a:rPr lang="fr-FR"/>
               <a:t>Modifiez le style du titre</a:t>
             </a:r>
             <a:endParaRPr lang="en-US" dirty="0"/>
@@ -1990,35 +1991,35 @@
           <a:p>
             <a:pPr lvl="0"/>
             <a:r>
-              <a:rPr lang="fr-FR" smtClean="0"/>
+              <a:rPr lang="fr-FR"/>
               <a:t>Modifier les styles du texte du masque</a:t>
             </a:r>
           </a:p>
           <a:p>
             <a:pPr lvl="1"/>
             <a:r>
-              <a:rPr lang="fr-FR" smtClean="0"/>
+              <a:rPr lang="fr-FR"/>
               <a:t>Deuxième niveau</a:t>
             </a:r>
           </a:p>
           <a:p>
             <a:pPr lvl="2"/>
             <a:r>
-              <a:rPr lang="fr-FR" smtClean="0"/>
+              <a:rPr lang="fr-FR"/>
               <a:t>Troisième niveau</a:t>
             </a:r>
           </a:p>
           <a:p>
             <a:pPr lvl="3"/>
             <a:r>
-              <a:rPr lang="fr-FR" smtClean="0"/>
+              <a:rPr lang="fr-FR"/>
               <a:t>Quatrième niveau</a:t>
             </a:r>
           </a:p>
           <a:p>
             <a:pPr lvl="4"/>
             <a:r>
-              <a:rPr lang="fr-FR" smtClean="0"/>
+              <a:rPr lang="fr-FR"/>
               <a:t>Cinquième niveau</a:t>
             </a:r>
             <a:endParaRPr lang="en-US" dirty="0"/>
@@ -2084,7 +2085,7 @@
           <a:p>
             <a:pPr lvl="0"/>
             <a:r>
-              <a:rPr lang="fr-FR" smtClean="0"/>
+              <a:rPr lang="fr-FR"/>
               <a:t>Modifier les styles du texte du masque</a:t>
             </a:r>
           </a:p>
@@ -2107,7 +2108,7 @@
           <a:p>
             <a:fld id="{721FCA7F-9C42-4E77-B08A-C2F4145F0622}" type="datetimeFigureOut">
               <a:rPr lang="fr-FR" smtClean="0"/>
-              <a:t>04/07/2022</a:t>
+              <a:t>09/07/2022</a:t>
             </a:fld>
             <a:endParaRPr lang="fr-FR"/>
           </a:p>
@@ -2210,7 +2211,7 @@
           </a:lstStyle>
           <a:p>
             <a:r>
-              <a:rPr lang="fr-FR" smtClean="0"/>
+              <a:rPr lang="fr-FR"/>
               <a:t>Modifiez le style du titre</a:t>
             </a:r>
             <a:endParaRPr lang="en-US" dirty="0"/>
@@ -2275,7 +2276,7 @@
           </a:lstStyle>
           <a:p>
             <a:r>
-              <a:rPr lang="fr-FR" smtClean="0"/>
+              <a:rPr lang="fr-FR"/>
               <a:t>Cliquez sur l'icône pour ajouter une image</a:t>
             </a:r>
             <a:endParaRPr lang="en-US" dirty="0"/>
@@ -2341,7 +2342,7 @@
           <a:p>
             <a:pPr lvl="0"/>
             <a:r>
-              <a:rPr lang="fr-FR" smtClean="0"/>
+              <a:rPr lang="fr-FR"/>
               <a:t>Modifier les styles du texte du masque</a:t>
             </a:r>
           </a:p>
@@ -2364,7 +2365,7 @@
           <a:p>
             <a:fld id="{721FCA7F-9C42-4E77-B08A-C2F4145F0622}" type="datetimeFigureOut">
               <a:rPr lang="fr-FR" smtClean="0"/>
-              <a:t>04/07/2022</a:t>
+              <a:t>09/07/2022</a:t>
             </a:fld>
             <a:endParaRPr lang="fr-FR"/>
           </a:p>
@@ -2473,7 +2474,7 @@
           <a:lstStyle/>
           <a:p>
             <a:r>
-              <a:rPr lang="fr-FR" smtClean="0"/>
+              <a:rPr lang="fr-FR"/>
               <a:t>Modifiez le style du titre</a:t>
             </a:r>
             <a:endParaRPr lang="en-US" dirty="0"/>
@@ -2507,35 +2508,35 @@
           <a:p>
             <a:pPr lvl="0"/>
             <a:r>
-              <a:rPr lang="fr-FR" smtClean="0"/>
+              <a:rPr lang="fr-FR"/>
               <a:t>Modifier les styles du texte du masque</a:t>
             </a:r>
           </a:p>
           <a:p>
             <a:pPr lvl="1"/>
             <a:r>
-              <a:rPr lang="fr-FR" smtClean="0"/>
+              <a:rPr lang="fr-FR"/>
               <a:t>Deuxième niveau</a:t>
             </a:r>
           </a:p>
           <a:p>
             <a:pPr lvl="2"/>
             <a:r>
-              <a:rPr lang="fr-FR" smtClean="0"/>
+              <a:rPr lang="fr-FR"/>
               <a:t>Troisième niveau</a:t>
             </a:r>
           </a:p>
           <a:p>
             <a:pPr lvl="3"/>
             <a:r>
-              <a:rPr lang="fr-FR" smtClean="0"/>
+              <a:rPr lang="fr-FR"/>
               <a:t>Quatrième niveau</a:t>
             </a:r>
           </a:p>
           <a:p>
             <a:pPr lvl="4"/>
             <a:r>
-              <a:rPr lang="fr-FR" smtClean="0"/>
+              <a:rPr lang="fr-FR"/>
               <a:t>Cinquième niveau</a:t>
             </a:r>
             <a:endParaRPr lang="en-US" dirty="0"/>
@@ -2577,7 +2578,7 @@
           <a:p>
             <a:fld id="{721FCA7F-9C42-4E77-B08A-C2F4145F0622}" type="datetimeFigureOut">
               <a:rPr lang="fr-FR" smtClean="0"/>
-              <a:t>04/07/2022</a:t>
+              <a:t>09/07/2022</a:t>
             </a:fld>
             <a:endParaRPr lang="fr-FR"/>
           </a:p>
@@ -3151,12 +3152,6 @@
               </a:rPr>
               <a:t>Ou Pont en H ou…</a:t>
             </a:r>
-            <a:endParaRPr lang="fr-FR" sz="1050" b="1" kern="0" dirty="0">
-              <a:solidFill>
-                <a:prstClr val="black"/>
-              </a:solidFill>
-              <a:latin typeface="Calibri"/>
-            </a:endParaRPr>
           </a:p>
         </p:txBody>
       </p:sp>
@@ -3927,7 +3922,7 @@
           <a:p>
             <a:pPr algn="just"/>
             <a:r>
-              <a:rPr lang="fr-FR" sz="1000" dirty="0" smtClean="0"/>
+              <a:rPr lang="fr-FR" sz="1000" dirty="0"/>
               <a:t>Pour moduler la vitesse d’un moteur à courant continu, on va ouvrir et fermer un interrupteur à haute fréquence. Ainsi, le moteur sera alimenté par une tension hachée. </a:t>
             </a:r>
           </a:p>
@@ -3937,7 +3932,7 @@
               <a:buChar char="•"/>
             </a:pPr>
             <a:r>
-              <a:rPr lang="fr-FR" sz="1000" dirty="0" smtClean="0"/>
+              <a:rPr lang="fr-FR" sz="1000" dirty="0"/>
               <a:t>Si l’interrupteur et fermé, le moteur reçoit la totalité de la source d’alimentation. </a:t>
             </a:r>
           </a:p>
@@ -3947,7 +3942,7 @@
               <a:buChar char="•"/>
             </a:pPr>
             <a:r>
-              <a:rPr lang="fr-FR" sz="1000" dirty="0" smtClean="0"/>
+              <a:rPr lang="fr-FR" sz="1000" dirty="0"/>
               <a:t>Si l’interrupteur est ouvert, le moteur reçoit 0V. </a:t>
             </a:r>
           </a:p>
@@ -3957,10 +3952,9 @@
               <a:buChar char="•"/>
             </a:pPr>
             <a:r>
-              <a:rPr lang="fr-FR" sz="1000" dirty="0" smtClean="0"/>
+              <a:rPr lang="fr-FR" sz="1000" dirty="0"/>
               <a:t>Si il est ouvert 50% du temps et fermé 50% du temps, le moteur reçoit la moitié de la tension de la source. </a:t>
             </a:r>
-            <a:endParaRPr lang="fr-FR" sz="1000" dirty="0"/>
           </a:p>
         </p:txBody>
       </p:sp>
@@ -3968,6 +3962,96 @@
     <p:extLst>
       <p:ext uri="{BB962C8B-B14F-4D97-AF65-F5344CB8AC3E}">
         <p14:creationId xmlns:p14="http://schemas.microsoft.com/office/powerpoint/2010/main" val="2074319538"/>
+      </p:ext>
+    </p:extLst>
+  </p:cSld>
+  <p:clrMapOvr>
+    <a:masterClrMapping/>
+  </p:clrMapOvr>
+</p:sld>
+</file>
+
+<file path=ppt/slides/slide2.xml><?xml version="1.0" encoding="utf-8"?>
+<p:sld xmlns:a="http://schemas.openxmlformats.org/drawingml/2006/main" xmlns:r="http://schemas.openxmlformats.org/officeDocument/2006/relationships" xmlns:p="http://schemas.openxmlformats.org/presentationml/2006/main">
+  <p:cSld>
+    <p:spTree>
+      <p:nvGrpSpPr>
+        <p:cNvPr id="1" name=""/>
+        <p:cNvGrpSpPr/>
+        <p:nvPr/>
+      </p:nvGrpSpPr>
+      <p:grpSpPr>
+        <a:xfrm>
+          <a:off x="0" y="0"/>
+          <a:ext cx="0" cy="0"/>
+          <a:chOff x="0" y="0"/>
+          <a:chExt cx="0" cy="0"/>
+        </a:xfrm>
+      </p:grpSpPr>
+      <p:pic>
+        <p:nvPicPr>
+          <p:cNvPr id="5" name="Image 4">
+            <a:extLst>
+              <a:ext uri="{FF2B5EF4-FFF2-40B4-BE49-F238E27FC236}">
+                <a16:creationId xmlns:a16="http://schemas.microsoft.com/office/drawing/2014/main" id="{1099E916-3B09-1969-7114-FC6A1A62F531}"/>
+              </a:ext>
+            </a:extLst>
+          </p:cNvPr>
+          <p:cNvPicPr>
+            <a:picLocks noChangeAspect="1"/>
+          </p:cNvPicPr>
+          <p:nvPr/>
+        </p:nvPicPr>
+        <p:blipFill>
+          <a:blip r:embed="rId2"/>
+          <a:stretch>
+            <a:fillRect/>
+          </a:stretch>
+        </p:blipFill>
+        <p:spPr>
+          <a:xfrm>
+            <a:off x="1871663" y="1570835"/>
+            <a:ext cx="6915150" cy="3144830"/>
+          </a:xfrm>
+          <a:prstGeom prst="rect">
+            <a:avLst/>
+          </a:prstGeom>
+        </p:spPr>
+      </p:pic>
+      <p:pic>
+        <p:nvPicPr>
+          <p:cNvPr id="7" name="Image 6">
+            <a:extLst>
+              <a:ext uri="{FF2B5EF4-FFF2-40B4-BE49-F238E27FC236}">
+                <a16:creationId xmlns:a16="http://schemas.microsoft.com/office/drawing/2014/main" id="{589DAD3A-A3EB-0135-1BA2-27AACB292A71}"/>
+              </a:ext>
+            </a:extLst>
+          </p:cNvPr>
+          <p:cNvPicPr>
+            <a:picLocks noChangeAspect="1"/>
+          </p:cNvPicPr>
+          <p:nvPr/>
+        </p:nvPicPr>
+        <p:blipFill>
+          <a:blip r:embed="rId3"/>
+          <a:stretch>
+            <a:fillRect/>
+          </a:stretch>
+        </p:blipFill>
+        <p:spPr>
+          <a:xfrm>
+            <a:off x="519113" y="4443412"/>
+            <a:ext cx="10763250" cy="4714875"/>
+          </a:xfrm>
+          <a:prstGeom prst="rect">
+            <a:avLst/>
+          </a:prstGeom>
+        </p:spPr>
+      </p:pic>
+    </p:spTree>
+    <p:extLst>
+      <p:ext uri="{BB962C8B-B14F-4D97-AF65-F5344CB8AC3E}">
+        <p14:creationId xmlns:p14="http://schemas.microsoft.com/office/powerpoint/2010/main" val="3381511819"/>
       </p:ext>
     </p:extLst>
   </p:cSld>
